--- a/10.Applied_Data_Science_Capstone/Week 5 Present Your Data-Driven Insights/Data Science  1.pptx
+++ b/10.Applied_Data_Science_Capstone/Week 5 Present Your Data-Driven Insights/Data Science  1.pptx
@@ -3177,14 +3177,6 @@
               </a:lnSpc>
             </a:pPr>
             <a:r>
-              <a:rPr lang="en-US" sz="2000" dirty="0">
-                <a:latin typeface="Carlito"/>
-                <a:cs typeface="Carlito"/>
-                <a:hlinkClick r:id="rId2"/>
-              </a:rPr>
-              <a:t>https://github.com/bhargav1010/data-science-1/blob/main/10.Applied_Data_Science_Capstone/Week%201%20Introduction/Data%20wrangling%20.ipynb</a:t>
-            </a:r>
-            <a:r>
               <a:rPr lang="en-US" sz="2000" u="heavy" spc="-5" dirty="0">
                 <a:solidFill>
                   <a:srgbClr val="404040"/>
@@ -3196,13 +3188,25 @@
                 </a:uFill>
                 <a:latin typeface="Carlito"/>
                 <a:cs typeface="Carlito"/>
+                <a:hlinkClick r:id="rId2"/>
+              </a:rPr>
+              <a:t>https://github.com/bhargav1010/data-science-1/blob/main/10.Applied_Data_Science_Capstone/Week%201%20Introduction/Data%20wrangling%20.ipynb</a:t>
+            </a:r>
+            <a:r>
+              <a:rPr lang="en-US" sz="2000" u="heavy" spc="-5" dirty="0">
+                <a:solidFill>
+                  <a:srgbClr val="404040"/>
+                </a:solidFill>
+                <a:uFill>
+                  <a:solidFill>
+                    <a:srgbClr val="404040"/>
+                  </a:solidFill>
+                </a:uFill>
+                <a:latin typeface="Carlito"/>
+                <a:cs typeface="Carlito"/>
               </a:rPr>
               <a:t> </a:t>
             </a:r>
-            <a:endParaRPr lang="en-US" sz="2000" dirty="0">
-              <a:latin typeface="Carlito"/>
-              <a:cs typeface="Carlito"/>
-            </a:endParaRPr>
           </a:p>
         </p:txBody>
       </p:sp>
@@ -4227,14 +4231,6 @@
               </a:spcBef>
             </a:pPr>
             <a:r>
-              <a:rPr lang="en-IN" sz="2000" dirty="0">
-                <a:latin typeface="Carlito"/>
-                <a:cs typeface="Carlito"/>
-                <a:hlinkClick r:id="rId2"/>
-              </a:rPr>
-              <a:t>https://github.com/bhargav1010/data-science-1/blob/main/10.Applied_Data_Science_Capstone/Week%202%20EDA/EDA%20with%20Visualization.ipynb</a:t>
-            </a:r>
-            <a:r>
               <a:rPr lang="en-IN" sz="2000" u="heavy" spc="-5" dirty="0">
                 <a:solidFill>
                   <a:srgbClr val="404040"/>
@@ -4246,13 +4242,25 @@
                 </a:uFill>
                 <a:latin typeface="Carlito"/>
                 <a:cs typeface="Carlito"/>
+                <a:hlinkClick r:id="rId2"/>
+              </a:rPr>
+              <a:t>https://github.com/bhargav1010/data-science-1/blob/main/10.Applied_Data_Science_Capstone/Week%202%20EDA/EDA%20with%20Visualization.ipynb</a:t>
+            </a:r>
+            <a:r>
+              <a:rPr lang="en-IN" sz="2000" u="heavy" spc="-5" dirty="0">
+                <a:solidFill>
+                  <a:srgbClr val="404040"/>
+                </a:solidFill>
+                <a:uFill>
+                  <a:solidFill>
+                    <a:srgbClr val="404040"/>
+                  </a:solidFill>
+                </a:uFill>
+                <a:latin typeface="Carlito"/>
+                <a:cs typeface="Carlito"/>
               </a:rPr>
               <a:t> </a:t>
             </a:r>
-            <a:endParaRPr sz="2000" dirty="0">
-              <a:latin typeface="Carlito"/>
-              <a:cs typeface="Carlito"/>
-            </a:endParaRPr>
           </a:p>
         </p:txBody>
       </p:sp>
@@ -4945,14 +4953,6 @@
               </a:lnSpc>
             </a:pPr>
             <a:r>
-              <a:rPr lang="en-IN" sz="2000" dirty="0">
-                <a:latin typeface="Carlito"/>
-                <a:cs typeface="Carlito"/>
-                <a:hlinkClick r:id="rId2"/>
-              </a:rPr>
-              <a:t>https://github.com/bhargav1010/data-science-1/blob/main/10.Applied_Data_Science_Capstone/Week%202%20EDA/EDA%20with%20SQL.ipynb</a:t>
-            </a:r>
-            <a:r>
               <a:rPr lang="en-IN" sz="2000" u="heavy" spc="-5" dirty="0">
                 <a:solidFill>
                   <a:srgbClr val="404040"/>
@@ -4964,13 +4964,25 @@
                 </a:uFill>
                 <a:latin typeface="Carlito"/>
                 <a:cs typeface="Carlito"/>
+                <a:hlinkClick r:id="rId2"/>
+              </a:rPr>
+              <a:t>https://github.com/bhargav1010/data-science-1/blob/main/10.Applied_Data_Science_Capstone/Week%202%20EDA/EDA%20with%20SQL.ipynb</a:t>
+            </a:r>
+            <a:r>
+              <a:rPr lang="en-IN" sz="2000" u="heavy" spc="-5" dirty="0">
+                <a:solidFill>
+                  <a:srgbClr val="404040"/>
+                </a:solidFill>
+                <a:uFill>
+                  <a:solidFill>
+                    <a:srgbClr val="404040"/>
+                  </a:solidFill>
+                </a:uFill>
+                <a:latin typeface="Carlito"/>
+                <a:cs typeface="Carlito"/>
               </a:rPr>
               <a:t> </a:t>
             </a:r>
-            <a:endParaRPr sz="2000" dirty="0">
-              <a:latin typeface="Carlito"/>
-              <a:cs typeface="Carlito"/>
-            </a:endParaRPr>
           </a:p>
         </p:txBody>
       </p:sp>
@@ -5148,7 +5160,7 @@
         <p:spPr>
           <a:xfrm>
             <a:off x="1176019" y="1824608"/>
-            <a:ext cx="9765665" cy="3162789"/>
+            <a:ext cx="9765665" cy="1338187"/>
           </a:xfrm>
           <a:prstGeom prst="rect">
             <a:avLst/>
@@ -5511,95 +5523,6 @@
                 <a:cs typeface="Carlito"/>
               </a:rPr>
               <a:t>location.</a:t>
-            </a:r>
-            <a:endParaRPr sz="2000" dirty="0">
-              <a:latin typeface="Carlito"/>
-              <a:cs typeface="Carlito"/>
-            </a:endParaRPr>
-          </a:p>
-          <a:p>
-            <a:pPr marL="12700">
-              <a:lnSpc>
-                <a:spcPct val="100000"/>
-              </a:lnSpc>
-              <a:spcBef>
-                <a:spcPts val="1070"/>
-              </a:spcBef>
-            </a:pPr>
-            <a:r>
-              <a:rPr sz="2000" u="heavy" dirty="0">
-                <a:solidFill>
-                  <a:srgbClr val="404040"/>
-                </a:solidFill>
-                <a:uFill>
-                  <a:solidFill>
-                    <a:srgbClr val="404040"/>
-                  </a:solidFill>
-                </a:uFill>
-                <a:latin typeface="Carlito"/>
-                <a:cs typeface="Carlito"/>
-              </a:rPr>
-              <a:t>GitHub</a:t>
-            </a:r>
-            <a:r>
-              <a:rPr sz="2000" u="heavy" spc="5" dirty="0">
-                <a:solidFill>
-                  <a:srgbClr val="404040"/>
-                </a:solidFill>
-                <a:uFill>
-                  <a:solidFill>
-                    <a:srgbClr val="404040"/>
-                  </a:solidFill>
-                </a:uFill>
-                <a:latin typeface="Carlito"/>
-                <a:cs typeface="Carlito"/>
-              </a:rPr>
-              <a:t> </a:t>
-            </a:r>
-            <a:r>
-              <a:rPr sz="2000" u="heavy" spc="-5" dirty="0">
-                <a:solidFill>
-                  <a:srgbClr val="404040"/>
-                </a:solidFill>
-                <a:uFill>
-                  <a:solidFill>
-                    <a:srgbClr val="404040"/>
-                  </a:solidFill>
-                </a:uFill>
-                <a:latin typeface="Carlito"/>
-                <a:cs typeface="Carlito"/>
-              </a:rPr>
-              <a:t>url:</a:t>
-            </a:r>
-            <a:endParaRPr sz="2000" dirty="0">
-              <a:latin typeface="Carlito"/>
-              <a:cs typeface="Carlito"/>
-            </a:endParaRPr>
-          </a:p>
-          <a:p>
-            <a:pPr marL="12700" marR="7620">
-              <a:lnSpc>
-                <a:spcPct val="150100"/>
-              </a:lnSpc>
-              <a:spcBef>
-                <a:spcPts val="300"/>
-              </a:spcBef>
-            </a:pPr>
-            <a:r>
-              <a:rPr lang="en-IN" sz="2000" u="heavy" spc="-10" dirty="0">
-                <a:solidFill>
-                  <a:srgbClr val="2996E1"/>
-                </a:solidFill>
-                <a:uFill>
-                  <a:solidFill>
-                    <a:srgbClr val="404040"/>
-                  </a:solidFill>
-                </a:uFill>
-                <a:latin typeface="Carlito"/>
-                <a:cs typeface="Carlito"/>
-                <a:hlinkClick r:id="rId2"/>
-              </a:rPr>
-              <a:t>https://github.com/navassherif98/IBM_Data_Science_Professional_Certification/blob/master/10.Applied_Data_Science_Capstone/Week%203%20Interactive%20Visual%20Analytics%20and%20Dashboard/Interactive%20Visual%20Analytics%20with%20Folium.ipynb</a:t>
             </a:r>
             <a:endParaRPr sz="2000" dirty="0">
               <a:latin typeface="Carlito"/>
@@ -6659,15 +6582,7 @@
               <a:t>https://github.com/bhargav1010/data-science-1/blob/main/10.Applied_Data_Science_Capstone/Week%203%20Interactive%20Visual%20Analytics%20and%20Dashboard/spacex_dash_app.py</a:t>
             </a:r>
             <a:r>
-              <a:rPr lang="en-IN" sz="2000" u="heavy" spc="-5" dirty="0">
-                <a:solidFill>
-                  <a:srgbClr val="404040"/>
-                </a:solidFill>
-                <a:uFill>
-                  <a:solidFill>
-                    <a:srgbClr val="404040"/>
-                  </a:solidFill>
-                </a:uFill>
+              <a:rPr lang="en-IN" sz="2000" dirty="0">
                 <a:latin typeface="Carlito"/>
                 <a:cs typeface="Carlito"/>
               </a:rPr>
@@ -36010,7 +35925,7 @@
         <p:spPr>
           <a:xfrm>
             <a:off x="535635" y="5215508"/>
-            <a:ext cx="2988945" cy="1271117"/>
+            <a:ext cx="2988945" cy="1065676"/>
           </a:xfrm>
           <a:prstGeom prst="rect">
             <a:avLst/>
@@ -36039,7 +35954,7 @@
                 <a:cs typeface="Carlito"/>
                 <a:hlinkClick r:id="rId23"/>
               </a:rPr>
-              <a:t>https://github.com/bhargav1010/data-science-1/blob/main/10.Applied_Data_Science_Capstone/Week%201%20Introduction/Data%20Collection%20Api%20.ipynb</a:t>
+              <a:t>https://github.com/bhargav1010/data-science-1/tree/main/10.Applied_Data_Science_Capstone/Week%201%20Introduction</a:t>
             </a:r>
             <a:r>
               <a:rPr lang="en-IN" sz="1500" dirty="0">
@@ -37835,7 +37750,7 @@
               </a:rPr>
               <a:t>url:</a:t>
             </a:r>
-            <a:endParaRPr sz="1500">
+            <a:endParaRPr sz="1500" dirty="0">
               <a:latin typeface="Carlito"/>
               <a:cs typeface="Carlito"/>
             </a:endParaRPr>
@@ -37851,7 +37766,7 @@
         <p:spPr>
           <a:xfrm>
             <a:off x="535635" y="4830826"/>
-            <a:ext cx="2988945" cy="1282402"/>
+            <a:ext cx="2988945" cy="1774845"/>
           </a:xfrm>
           <a:prstGeom prst="rect">
             <a:avLst/>
@@ -37886,6 +37801,34 @@
               </a:rPr>
               <a:t> </a:t>
             </a:r>
+          </a:p>
+          <a:p>
+            <a:pPr marL="12700" marR="5080">
+              <a:lnSpc>
+                <a:spcPct val="90000"/>
+              </a:lnSpc>
+              <a:spcBef>
+                <a:spcPts val="280"/>
+              </a:spcBef>
+            </a:pPr>
+            <a:endParaRPr lang="en-IN" sz="1500" dirty="0">
+              <a:latin typeface="Carlito"/>
+              <a:cs typeface="Carlito"/>
+            </a:endParaRPr>
+          </a:p>
+          <a:p>
+            <a:pPr marL="12700" marR="5080">
+              <a:lnSpc>
+                <a:spcPct val="90000"/>
+              </a:lnSpc>
+              <a:spcBef>
+                <a:spcPts val="280"/>
+              </a:spcBef>
+            </a:pPr>
+            <a:endParaRPr lang="en-IN" sz="1500" dirty="0">
+              <a:latin typeface="Carlito"/>
+              <a:cs typeface="Carlito"/>
+            </a:endParaRPr>
           </a:p>
         </p:txBody>
       </p:sp>
